--- a/class_5/class_5.pptx
+++ b/class_5/class_5.pptx
@@ -5,15 +5,15 @@
     <p:sldMasterId id="2147483648" r:id="rId1"/>
   </p:sldMasterIdLst>
   <p:notesMasterIdLst>
-    <p:notesMasterId r:id="rId21"/>
+    <p:notesMasterId r:id="rId22"/>
   </p:notesMasterIdLst>
   <p:sldIdLst>
     <p:sldId id="257" r:id="rId2"/>
     <p:sldId id="319" r:id="rId3"/>
     <p:sldId id="320" r:id="rId4"/>
-    <p:sldId id="332" r:id="rId5"/>
-    <p:sldId id="333" r:id="rId6"/>
-    <p:sldId id="334" r:id="rId7"/>
+    <p:sldId id="334" r:id="rId5"/>
+    <p:sldId id="332" r:id="rId6"/>
+    <p:sldId id="333" r:id="rId7"/>
     <p:sldId id="321" r:id="rId8"/>
     <p:sldId id="322" r:id="rId9"/>
     <p:sldId id="323" r:id="rId10"/>
@@ -27,6 +27,7 @@
     <p:sldId id="337" r:id="rId18"/>
     <p:sldId id="331" r:id="rId19"/>
     <p:sldId id="336" r:id="rId20"/>
+    <p:sldId id="338" r:id="rId21"/>
   </p:sldIdLst>
   <p:sldSz cx="12192000" cy="6858000"/>
   <p:notesSz cx="6858000" cy="9144000"/>
@@ -215,7 +216,7 @@
           <a:p>
             <a:fld id="{BDBF549B-687A-1940-A87F-09A4EEB69D9B}" type="datetimeFigureOut">
               <a:rPr lang="en-US" smtClean="0"/>
-              <a:t>4/6/20</a:t>
+              <a:t>4/8/20</a:t>
             </a:fld>
             <a:endParaRPr lang="en-US"/>
           </a:p>
@@ -784,7 +785,7 @@
           <a:p>
             <a:fld id="{D4EFF375-0B3E-3548-83CD-EDC7189E2F7E}" type="slidenum">
               <a:rPr lang="en-US" smtClean="0"/>
-              <a:t>6</a:t>
+              <a:t>4</a:t>
             </a:fld>
             <a:endParaRPr lang="en-US"/>
           </a:p>
@@ -950,7 +951,7 @@
           <a:p>
             <a:fld id="{F8D153D0-40AF-5A47-B914-FABA1D5CF464}" type="datetimeFigureOut">
               <a:rPr lang="en-US" smtClean="0"/>
-              <a:t>4/6/20</a:t>
+              <a:t>4/8/20</a:t>
             </a:fld>
             <a:endParaRPr lang="en-US"/>
           </a:p>
@@ -1148,7 +1149,7 @@
           <a:p>
             <a:fld id="{F8D153D0-40AF-5A47-B914-FABA1D5CF464}" type="datetimeFigureOut">
               <a:rPr lang="en-US" smtClean="0"/>
-              <a:t>4/6/20</a:t>
+              <a:t>4/8/20</a:t>
             </a:fld>
             <a:endParaRPr lang="en-US"/>
           </a:p>
@@ -1356,7 +1357,7 @@
           <a:p>
             <a:fld id="{F8D153D0-40AF-5A47-B914-FABA1D5CF464}" type="datetimeFigureOut">
               <a:rPr lang="en-US" smtClean="0"/>
-              <a:t>4/6/20</a:t>
+              <a:t>4/8/20</a:t>
             </a:fld>
             <a:endParaRPr lang="en-US"/>
           </a:p>
@@ -1554,7 +1555,7 @@
           <a:p>
             <a:fld id="{F8D153D0-40AF-5A47-B914-FABA1D5CF464}" type="datetimeFigureOut">
               <a:rPr lang="en-US" smtClean="0"/>
-              <a:t>4/6/20</a:t>
+              <a:t>4/8/20</a:t>
             </a:fld>
             <a:endParaRPr lang="en-US"/>
           </a:p>
@@ -1829,7 +1830,7 @@
           <a:p>
             <a:fld id="{F8D153D0-40AF-5A47-B914-FABA1D5CF464}" type="datetimeFigureOut">
               <a:rPr lang="en-US" smtClean="0"/>
-              <a:t>4/6/20</a:t>
+              <a:t>4/8/20</a:t>
             </a:fld>
             <a:endParaRPr lang="en-US"/>
           </a:p>
@@ -2094,7 +2095,7 @@
           <a:p>
             <a:fld id="{F8D153D0-40AF-5A47-B914-FABA1D5CF464}" type="datetimeFigureOut">
               <a:rPr lang="en-US" smtClean="0"/>
-              <a:t>4/6/20</a:t>
+              <a:t>4/8/20</a:t>
             </a:fld>
             <a:endParaRPr lang="en-US"/>
           </a:p>
@@ -2506,7 +2507,7 @@
           <a:p>
             <a:fld id="{F8D153D0-40AF-5A47-B914-FABA1D5CF464}" type="datetimeFigureOut">
               <a:rPr lang="en-US" smtClean="0"/>
-              <a:t>4/6/20</a:t>
+              <a:t>4/8/20</a:t>
             </a:fld>
             <a:endParaRPr lang="en-US"/>
           </a:p>
@@ -2647,7 +2648,7 @@
           <a:p>
             <a:fld id="{F8D153D0-40AF-5A47-B914-FABA1D5CF464}" type="datetimeFigureOut">
               <a:rPr lang="en-US" smtClean="0"/>
-              <a:t>4/6/20</a:t>
+              <a:t>4/8/20</a:t>
             </a:fld>
             <a:endParaRPr lang="en-US"/>
           </a:p>
@@ -2760,7 +2761,7 @@
           <a:p>
             <a:fld id="{F8D153D0-40AF-5A47-B914-FABA1D5CF464}" type="datetimeFigureOut">
               <a:rPr lang="en-US" smtClean="0"/>
-              <a:t>4/6/20</a:t>
+              <a:t>4/8/20</a:t>
             </a:fld>
             <a:endParaRPr lang="en-US"/>
           </a:p>
@@ -3071,7 +3072,7 @@
           <a:p>
             <a:fld id="{F8D153D0-40AF-5A47-B914-FABA1D5CF464}" type="datetimeFigureOut">
               <a:rPr lang="en-US" smtClean="0"/>
-              <a:t>4/6/20</a:t>
+              <a:t>4/8/20</a:t>
             </a:fld>
             <a:endParaRPr lang="en-US"/>
           </a:p>
@@ -3359,7 +3360,7 @@
           <a:p>
             <a:fld id="{F8D153D0-40AF-5A47-B914-FABA1D5CF464}" type="datetimeFigureOut">
               <a:rPr lang="en-US" smtClean="0"/>
-              <a:t>4/6/20</a:t>
+              <a:t>4/8/20</a:t>
             </a:fld>
             <a:endParaRPr lang="en-US"/>
           </a:p>
@@ -3600,7 +3601,7 @@
           <a:p>
             <a:fld id="{F8D153D0-40AF-5A47-B914-FABA1D5CF464}" type="datetimeFigureOut">
               <a:rPr lang="en-US" smtClean="0"/>
-              <a:t>4/6/20</a:t>
+              <a:t>4/8/20</a:t>
             </a:fld>
             <a:endParaRPr lang="en-US"/>
           </a:p>
@@ -4287,7 +4288,12 @@
             <p:ph idx="1"/>
           </p:nvPr>
         </p:nvSpPr>
-        <p:spPr/>
+        <p:spPr>
+          <a:xfrm>
+            <a:off x="838200" y="1834091"/>
+            <a:ext cx="10515600" cy="4351338"/>
+          </a:xfrm>
+        </p:spPr>
         <p:txBody>
           <a:bodyPr/>
           <a:lstStyle/>
@@ -4587,7 +4593,63 @@
           <a:p>
             <a:r>
               <a:rPr lang="en-US" dirty="0"/>
-              <a:t>--</a:t>
+              <a:t>STAR --</a:t>
+            </a:r>
+            <a:r>
+              <a:rPr lang="en-US" dirty="0" err="1"/>
+              <a:t>runMode</a:t>
+            </a:r>
+            <a:r>
+              <a:rPr lang="en-US" dirty="0"/>
+              <a:t> </a:t>
+            </a:r>
+            <a:r>
+              <a:rPr lang="en-US" dirty="0" err="1"/>
+              <a:t>genomeGenerate</a:t>
+            </a:r>
+            <a:r>
+              <a:rPr lang="en-US" dirty="0"/>
+              <a:t> --</a:t>
+            </a:r>
+            <a:r>
+              <a:rPr lang="en-US" dirty="0" err="1"/>
+              <a:t>genomeDir</a:t>
+            </a:r>
+            <a:r>
+              <a:rPr lang="en-US" dirty="0"/>
+              <a:t> $REF/genome --</a:t>
+            </a:r>
+            <a:r>
+              <a:rPr lang="en-US" dirty="0" err="1"/>
+              <a:t>genomeFastaFiles</a:t>
+            </a:r>
+            <a:r>
+              <a:rPr lang="en-US" dirty="0"/>
+              <a:t> $REF/</a:t>
+            </a:r>
+            <a:r>
+              <a:rPr lang="en-US" dirty="0" err="1"/>
+              <a:t>genome_fastas</a:t>
+            </a:r>
+            <a:r>
+              <a:rPr lang="en-US" dirty="0"/>
+              <a:t> --</a:t>
+            </a:r>
+            <a:r>
+              <a:rPr lang="en-US" dirty="0" err="1"/>
+              <a:t>sjdbGTFfile</a:t>
+            </a:r>
+            <a:r>
+              <a:rPr lang="en-US" dirty="0"/>
+              <a:t> $REF/$GTF --</a:t>
+            </a:r>
+            <a:r>
+              <a:rPr lang="en-US" dirty="0" err="1"/>
+              <a:t>runThreadN</a:t>
+            </a:r>
+            <a:r>
+              <a:rPr lang="en-US" dirty="0"/>
+              <a:t> 32 --</a:t>
             </a:r>
             <a:r>
               <a:rPr lang="en-US" dirty="0" err="1"/>
@@ -4718,7 +4780,7 @@
             </a:r>
             <a:r>
               <a:rPr lang="en-US" sz="2400" dirty="0" err="1"/>
-              <a:t>trim.html</a:t>
+              <a:t>trim.json</a:t>
             </a:r>
             <a:r>
               <a:rPr lang="en-US" sz="2400" dirty="0"/>
@@ -4891,7 +4953,7 @@
             </a:r>
             <a:r>
               <a:rPr lang="en-US" dirty="0"/>
-              <a:t> BAM Sorted --</a:t>
+              <a:t> BAM Unsorted --</a:t>
             </a:r>
             <a:r>
               <a:rPr lang="en-US" dirty="0" err="1"/>
@@ -5136,9 +5198,10 @@
               <a:t> &gt; </a:t>
             </a:r>
             <a:r>
-              <a:rPr lang="en-US"/>
+              <a:rPr lang="en-US" dirty="0" err="1"/>
               <a:t>output.tsv</a:t>
             </a:r>
+            <a:endParaRPr lang="en-US" dirty="0"/>
           </a:p>
         </p:txBody>
       </p:sp>
@@ -5547,6 +5610,172 @@
 </p:sld>
 </file>
 
+<file path=ppt/slides/slide20.xml><?xml version="1.0" encoding="utf-8"?>
+<p:sld xmlns:a="http://schemas.openxmlformats.org/drawingml/2006/main" xmlns:r="http://schemas.openxmlformats.org/officeDocument/2006/relationships" xmlns:p="http://schemas.openxmlformats.org/presentationml/2006/main">
+  <p:cSld>
+    <p:spTree>
+      <p:nvGrpSpPr>
+        <p:cNvPr id="1" name=""/>
+        <p:cNvGrpSpPr/>
+        <p:nvPr/>
+      </p:nvGrpSpPr>
+      <p:grpSpPr>
+        <a:xfrm>
+          <a:off x="0" y="0"/>
+          <a:ext cx="0" cy="0"/>
+          <a:chOff x="0" y="0"/>
+          <a:chExt cx="0" cy="0"/>
+        </a:xfrm>
+      </p:grpSpPr>
+      <p:sp>
+        <p:nvSpPr>
+          <p:cNvPr id="2" name="Title 1">
+            <a:extLst>
+              <a:ext uri="{FF2B5EF4-FFF2-40B4-BE49-F238E27FC236}">
+                <a16:creationId xmlns:a16="http://schemas.microsoft.com/office/drawing/2014/main" id="{5BB4E6DB-B6FA-1B4D-B2FC-A8FB28A4DAEA}"/>
+              </a:ext>
+            </a:extLst>
+          </p:cNvPr>
+          <p:cNvSpPr>
+            <a:spLocks noGrp="1"/>
+          </p:cNvSpPr>
+          <p:nvPr>
+            <p:ph type="title"/>
+          </p:nvPr>
+        </p:nvSpPr>
+        <p:spPr/>
+        <p:txBody>
+          <a:bodyPr/>
+          <a:lstStyle/>
+          <a:p>
+            <a:r>
+              <a:rPr lang="en-US" dirty="0"/>
+              <a:t>Run the job	</a:t>
+            </a:r>
+          </a:p>
+        </p:txBody>
+      </p:sp>
+      <p:sp>
+        <p:nvSpPr>
+          <p:cNvPr id="3" name="Content Placeholder 2">
+            <a:extLst>
+              <a:ext uri="{FF2B5EF4-FFF2-40B4-BE49-F238E27FC236}">
+                <a16:creationId xmlns:a16="http://schemas.microsoft.com/office/drawing/2014/main" id="{AB0AB414-6CBB-0448-BFA9-B4E74505B263}"/>
+              </a:ext>
+            </a:extLst>
+          </p:cNvPr>
+          <p:cNvSpPr>
+            <a:spLocks noGrp="1"/>
+          </p:cNvSpPr>
+          <p:nvPr>
+            <p:ph idx="1"/>
+          </p:nvPr>
+        </p:nvSpPr>
+        <p:spPr/>
+        <p:txBody>
+          <a:bodyPr/>
+          <a:lstStyle/>
+          <a:p>
+            <a:pPr marL="0" indent="0">
+              <a:buNone/>
+            </a:pPr>
+            <a:r>
+              <a:rPr lang="en-US" dirty="0" err="1"/>
+              <a:t>sbatch</a:t>
+            </a:r>
+            <a:r>
+              <a:rPr lang="en-US" dirty="0"/>
+              <a:t> </a:t>
+            </a:r>
+            <a:r>
+              <a:rPr lang="en-US" dirty="0" err="1"/>
+              <a:t>script.sh</a:t>
+            </a:r>
+            <a:endParaRPr lang="en-US" dirty="0"/>
+          </a:p>
+          <a:p>
+            <a:pPr marL="0" indent="0">
+              <a:buNone/>
+            </a:pPr>
+            <a:endParaRPr lang="en-US" dirty="0"/>
+          </a:p>
+          <a:p>
+            <a:pPr marL="0" indent="0">
+              <a:buNone/>
+            </a:pPr>
+            <a:r>
+              <a:rPr lang="en-US" dirty="0"/>
+              <a:t>See your jobs in queue: </a:t>
+            </a:r>
+            <a:r>
+              <a:rPr lang="en-US" dirty="0" err="1"/>
+              <a:t>squeue</a:t>
+            </a:r>
+            <a:r>
+              <a:rPr lang="en-US" dirty="0"/>
+              <a:t> -u </a:t>
+            </a:r>
+            <a:r>
+              <a:rPr lang="en-US" dirty="0" err="1"/>
+              <a:t>uNID</a:t>
+            </a:r>
+            <a:r>
+              <a:rPr lang="en-US" dirty="0"/>
+              <a:t>;</a:t>
+            </a:r>
+          </a:p>
+          <a:p>
+            <a:pPr marL="0" indent="0">
+              <a:buNone/>
+            </a:pPr>
+            <a:r>
+              <a:rPr lang="en-US" dirty="0"/>
+              <a:t>Live update of queue: watch -n1 </a:t>
+            </a:r>
+            <a:r>
+              <a:rPr lang="en-US" dirty="0" err="1"/>
+              <a:t>squeue</a:t>
+            </a:r>
+            <a:r>
+              <a:rPr lang="en-US" dirty="0"/>
+              <a:t> -u </a:t>
+            </a:r>
+            <a:r>
+              <a:rPr lang="en-US" dirty="0" err="1"/>
+              <a:t>uNID</a:t>
+            </a:r>
+            <a:r>
+              <a:rPr lang="en-US" dirty="0"/>
+              <a:t>;</a:t>
+            </a:r>
+          </a:p>
+          <a:p>
+            <a:pPr marL="0" indent="0">
+              <a:buNone/>
+            </a:pPr>
+            <a:endParaRPr lang="en-US" dirty="0"/>
+          </a:p>
+          <a:p>
+            <a:pPr marL="0" indent="0">
+              <a:buNone/>
+            </a:pPr>
+            <a:endParaRPr lang="en-US" dirty="0"/>
+          </a:p>
+        </p:txBody>
+      </p:sp>
+    </p:spTree>
+    <p:extLst>
+      <p:ext uri="{BB962C8B-B14F-4D97-AF65-F5344CB8AC3E}">
+        <p14:creationId xmlns:p14="http://schemas.microsoft.com/office/powerpoint/2010/main" val="4226392991"/>
+      </p:ext>
+    </p:extLst>
+  </p:cSld>
+  <p:clrMapOvr>
+    <a:masterClrMapping/>
+  </p:clrMapOvr>
+</p:sld>
+</file>
+
 <file path=ppt/slides/slide3.xml><?xml version="1.0" encoding="utf-8"?>
 <p:sld xmlns:a="http://schemas.openxmlformats.org/drawingml/2006/main" xmlns:r="http://schemas.openxmlformats.org/officeDocument/2006/relationships" xmlns:p="http://schemas.openxmlformats.org/presentationml/2006/main">
   <p:cSld>
@@ -5660,7 +5889,7 @@
         </p:blipFill>
         <p:spPr>
           <a:xfrm>
-            <a:off x="8544910" y="4545232"/>
+            <a:off x="7918377" y="4469032"/>
             <a:ext cx="3263462" cy="1631731"/>
           </a:xfrm>
           <a:prstGeom prst="rect">
@@ -5703,7 +5932,7 @@
           <p:cNvPr id="2" name="Title 1">
             <a:extLst>
               <a:ext uri="{FF2B5EF4-FFF2-40B4-BE49-F238E27FC236}">
-                <a16:creationId xmlns:a16="http://schemas.microsoft.com/office/drawing/2014/main" id="{E672C92C-BCCE-C64E-947A-4043FCD13DA0}"/>
+                <a16:creationId xmlns:a16="http://schemas.microsoft.com/office/drawing/2014/main" id="{EF7311C3-139F-0D43-856A-BA85FE249811}"/>
               </a:ext>
             </a:extLst>
           </p:cNvPr>
@@ -5721,7 +5950,7 @@
           <a:p>
             <a:r>
               <a:rPr lang="en-US" dirty="0"/>
-              <a:t>Download files</a:t>
+              <a:t>Sequencing files</a:t>
             </a:r>
           </a:p>
         </p:txBody>
@@ -5731,7 +5960,7 @@
           <p:cNvPr id="3" name="Content Placeholder 2">
             <a:extLst>
               <a:ext uri="{FF2B5EF4-FFF2-40B4-BE49-F238E27FC236}">
-                <a16:creationId xmlns:a16="http://schemas.microsoft.com/office/drawing/2014/main" id="{699DCE7B-2F8F-8549-9514-85AFBDC9264A}"/>
+                <a16:creationId xmlns:a16="http://schemas.microsoft.com/office/drawing/2014/main" id="{2F6736AD-A968-8647-9A6E-2DE8E9C818BC}"/>
               </a:ext>
             </a:extLst>
           </p:cNvPr>
@@ -5744,12 +5973,240 @@
         </p:nvSpPr>
         <p:spPr/>
         <p:txBody>
-          <a:bodyPr/>
-          <a:lstStyle/>
-          <a:p>
-            <a:r>
-              <a:rPr lang="en-US" dirty="0"/>
-              <a:t>GTF, FASTA, FASTQ files</a:t>
+          <a:bodyPr>
+            <a:normAutofit/>
+          </a:bodyPr>
+          <a:lstStyle/>
+          <a:p>
+            <a:r>
+              <a:rPr lang="en-US" dirty="0"/>
+              <a:t>SRA-toolkit</a:t>
+            </a:r>
+          </a:p>
+          <a:p>
+            <a:pPr marL="457200" lvl="1" indent="0">
+              <a:buNone/>
+            </a:pPr>
+            <a:r>
+              <a:rPr lang="en-US" sz="1800" dirty="0"/>
+              <a:t>$ </a:t>
+            </a:r>
+            <a:r>
+              <a:rPr lang="en-US" sz="1800" dirty="0" err="1"/>
+              <a:t>wget</a:t>
+            </a:r>
+            <a:r>
+              <a:rPr lang="en-US" sz="1800" dirty="0"/>
+              <a:t> </a:t>
+            </a:r>
+            <a:r>
+              <a:rPr lang="en-US" sz="1800" dirty="0">
+                <a:hlinkClick r:id="rId3"/>
+              </a:rPr>
+              <a:t>http://ftp-trace.ncbi.nlm.nih.gov/sra/sdk/current/sratoolkit.current-centos_linux64.tar.gz</a:t>
+            </a:r>
+            <a:endParaRPr lang="en-US" sz="1800" dirty="0"/>
+          </a:p>
+          <a:p>
+            <a:pPr marL="457200" lvl="1" indent="0">
+              <a:buNone/>
+            </a:pPr>
+            <a:r>
+              <a:rPr lang="en-US" sz="1800" dirty="0"/>
+              <a:t>$ tar –</a:t>
+            </a:r>
+            <a:r>
+              <a:rPr lang="en-US" sz="1800" dirty="0" err="1"/>
+              <a:t>zxvf</a:t>
+            </a:r>
+            <a:r>
+              <a:rPr lang="en-US" sz="1800" dirty="0"/>
+              <a:t> </a:t>
+            </a:r>
+            <a:r>
+              <a:rPr lang="en-US" sz="1800" dirty="0">
+                <a:hlinkClick r:id="rId3"/>
+              </a:rPr>
+              <a:t>sratoolkit.current-centos_linux64.tar.gz</a:t>
+            </a:r>
+            <a:endParaRPr lang="en-US" sz="1800" dirty="0"/>
+          </a:p>
+          <a:p>
+            <a:pPr marL="457200" lvl="1" indent="0">
+              <a:buNone/>
+            </a:pPr>
+            <a:r>
+              <a:rPr lang="en-US" sz="1800" dirty="0"/>
+              <a:t>$ mv sratoolkit.2.10.5-centos_linux64 </a:t>
+            </a:r>
+            <a:r>
+              <a:rPr lang="en-US" sz="1800" dirty="0" err="1"/>
+              <a:t>sratoolkit</a:t>
+            </a:r>
+            <a:endParaRPr lang="en-US" sz="1800" dirty="0"/>
+          </a:p>
+          <a:p>
+            <a:pPr marL="457200" lvl="1" indent="0">
+              <a:buNone/>
+            </a:pPr>
+            <a:r>
+              <a:rPr lang="en-US" sz="1800" dirty="0"/>
+              <a:t>$ vim ~/.</a:t>
+            </a:r>
+            <a:r>
+              <a:rPr lang="en-US" sz="1800" dirty="0" err="1"/>
+              <a:t>bashrc</a:t>
+            </a:r>
+            <a:r>
+              <a:rPr lang="en-US" sz="1800" dirty="0"/>
+              <a:t>			&lt;- add </a:t>
+            </a:r>
+            <a:r>
+              <a:rPr lang="en-US" sz="1800" dirty="0" err="1"/>
+              <a:t>sratoolkit</a:t>
+            </a:r>
+            <a:r>
+              <a:rPr lang="en-US" sz="1800" dirty="0"/>
+              <a:t> to PATH so you can use anywhere</a:t>
+            </a:r>
+          </a:p>
+          <a:p>
+            <a:pPr marL="457200" lvl="1" indent="0">
+              <a:buNone/>
+            </a:pPr>
+            <a:r>
+              <a:rPr lang="en-US" sz="1800" dirty="0"/>
+              <a:t>	export PATH="/</a:t>
+            </a:r>
+            <a:r>
+              <a:rPr lang="en-US" sz="1800" dirty="0" err="1"/>
+              <a:t>uufs</a:t>
+            </a:r>
+            <a:r>
+              <a:rPr lang="en-US" sz="1800" dirty="0"/>
+              <a:t>/</a:t>
+            </a:r>
+            <a:r>
+              <a:rPr lang="en-US" sz="1800" dirty="0" err="1"/>
+              <a:t>chpc.utah.edu</a:t>
+            </a:r>
+            <a:r>
+              <a:rPr lang="en-US" sz="1800" dirty="0"/>
+              <a:t>/common/home/</a:t>
+            </a:r>
+            <a:r>
+              <a:rPr lang="en-US" sz="1800" dirty="0" err="1"/>
+              <a:t>uNID</a:t>
+            </a:r>
+            <a:r>
+              <a:rPr lang="en-US" sz="1800" dirty="0"/>
+              <a:t>/</a:t>
+            </a:r>
+            <a:r>
+              <a:rPr lang="en-US" sz="1800" dirty="0" err="1"/>
+              <a:t>sratoolkit</a:t>
+            </a:r>
+            <a:r>
+              <a:rPr lang="en-US" sz="1800" dirty="0"/>
+              <a:t>/bin:$PATH”</a:t>
+            </a:r>
+          </a:p>
+          <a:p>
+            <a:pPr marL="457200" lvl="1" indent="0">
+              <a:buNone/>
+            </a:pPr>
+            <a:r>
+              <a:rPr lang="en-US" sz="1800" dirty="0"/>
+              <a:t>	save and close</a:t>
+            </a:r>
+          </a:p>
+          <a:p>
+            <a:pPr marL="457200" lvl="1" indent="0">
+              <a:buNone/>
+            </a:pPr>
+            <a:r>
+              <a:rPr lang="en-US" sz="1800" dirty="0"/>
+              <a:t>	exit and log into the supercomputer</a:t>
+            </a:r>
+          </a:p>
+          <a:p>
+            <a:pPr marL="0" indent="0">
+              <a:buNone/>
+            </a:pPr>
+            <a:endParaRPr lang="en-US" dirty="0"/>
+          </a:p>
+          <a:p>
+            <a:pPr marL="0" indent="0">
+              <a:buNone/>
+            </a:pPr>
+            <a:r>
+              <a:rPr lang="en-US" sz="1600" dirty="0"/>
+              <a:t>$ prefetch SRR1795409  			&lt;- pay attention to where its output</a:t>
+            </a:r>
+          </a:p>
+          <a:p>
+            <a:pPr marL="0" indent="0">
+              <a:buNone/>
+            </a:pPr>
+            <a:r>
+              <a:rPr lang="en-US" sz="1600" dirty="0"/>
+              <a:t>$ </a:t>
+            </a:r>
+            <a:r>
+              <a:rPr lang="en-US" sz="1600" dirty="0" err="1"/>
+              <a:t>fastq</a:t>
+            </a:r>
+            <a:r>
+              <a:rPr lang="en-US" sz="1600" dirty="0"/>
+              <a:t>-dump --</a:t>
+            </a:r>
+            <a:r>
+              <a:rPr lang="en-US" sz="1600" dirty="0" err="1"/>
+              <a:t>outdir</a:t>
+            </a:r>
+            <a:r>
+              <a:rPr lang="en-US" sz="1600" dirty="0"/>
+              <a:t> ~/ --split-files /</a:t>
+            </a:r>
+            <a:r>
+              <a:rPr lang="en-US" sz="1600" dirty="0" err="1"/>
+              <a:t>uufs</a:t>
+            </a:r>
+            <a:r>
+              <a:rPr lang="en-US" sz="1600" dirty="0"/>
+              <a:t>/</a:t>
+            </a:r>
+            <a:r>
+              <a:rPr lang="en-US" sz="1600" dirty="0" err="1"/>
+              <a:t>chpc.utah.edu</a:t>
+            </a:r>
+            <a:r>
+              <a:rPr lang="en-US" sz="1600" dirty="0"/>
+              <a:t>/common/home/</a:t>
+            </a:r>
+            <a:r>
+              <a:rPr lang="en-US" sz="1600" dirty="0" err="1"/>
+              <a:t>uNID</a:t>
+            </a:r>
+            <a:r>
+              <a:rPr lang="en-US" sz="1600" dirty="0"/>
+              <a:t>/</a:t>
+            </a:r>
+            <a:r>
+              <a:rPr lang="en-US" sz="1600" dirty="0" err="1"/>
+              <a:t>ncbi</a:t>
+            </a:r>
+            <a:r>
+              <a:rPr lang="en-US" sz="1600" dirty="0"/>
+              <a:t>/public/</a:t>
+            </a:r>
+            <a:r>
+              <a:rPr lang="en-US" sz="1600" dirty="0" err="1"/>
+              <a:t>sra</a:t>
+            </a:r>
+            <a:r>
+              <a:rPr lang="en-US" sz="1600" dirty="0"/>
+              <a:t>/SRR1795409.sra</a:t>
             </a:r>
           </a:p>
         </p:txBody>
@@ -5757,7 +6214,7 @@
     </p:spTree>
     <p:extLst>
       <p:ext uri="{BB962C8B-B14F-4D97-AF65-F5344CB8AC3E}">
-        <p14:creationId xmlns:p14="http://schemas.microsoft.com/office/powerpoint/2010/main" val="2526197731"/>
+        <p14:creationId xmlns:p14="http://schemas.microsoft.com/office/powerpoint/2010/main" val="163912271"/>
       </p:ext>
     </p:extLst>
   </p:cSld>
@@ -5789,7 +6246,7 @@
           <p:cNvPr id="2" name="Title 1">
             <a:extLst>
               <a:ext uri="{FF2B5EF4-FFF2-40B4-BE49-F238E27FC236}">
-                <a16:creationId xmlns:a16="http://schemas.microsoft.com/office/drawing/2014/main" id="{BBD3FC96-92F1-3549-9F60-EECAEF594515}"/>
+                <a16:creationId xmlns:a16="http://schemas.microsoft.com/office/drawing/2014/main" id="{E672C92C-BCCE-C64E-947A-4043FCD13DA0}"/>
               </a:ext>
             </a:extLst>
           </p:cNvPr>
@@ -5807,7 +6264,7 @@
           <a:p>
             <a:r>
               <a:rPr lang="en-US" dirty="0"/>
-              <a:t>Reference files</a:t>
+              <a:t>Download files</a:t>
             </a:r>
           </a:p>
         </p:txBody>
@@ -5817,7 +6274,7 @@
           <p:cNvPr id="3" name="Content Placeholder 2">
             <a:extLst>
               <a:ext uri="{FF2B5EF4-FFF2-40B4-BE49-F238E27FC236}">
-                <a16:creationId xmlns:a16="http://schemas.microsoft.com/office/drawing/2014/main" id="{B739F09D-A12E-2D49-B2F4-BDD3AD49497C}"/>
+                <a16:creationId xmlns:a16="http://schemas.microsoft.com/office/drawing/2014/main" id="{699DCE7B-2F8F-8549-9514-85AFBDC9264A}"/>
               </a:ext>
             </a:extLst>
           </p:cNvPr>
@@ -5835,15 +6292,7 @@
           <a:p>
             <a:r>
               <a:rPr lang="en-US" dirty="0"/>
-              <a:t>GTF and chromosome FASTAs from </a:t>
-            </a:r>
-            <a:r>
-              <a:rPr lang="en-US" dirty="0" err="1"/>
-              <a:t>Ensembl</a:t>
-            </a:r>
-            <a:r>
-              <a:rPr lang="en-US" dirty="0"/>
-              <a:t> database</a:t>
+              <a:t>GTF, FASTA, FASTQ files</a:t>
             </a:r>
           </a:p>
         </p:txBody>
@@ -5851,7 +6300,7 @@
     </p:spTree>
     <p:extLst>
       <p:ext uri="{BB962C8B-B14F-4D97-AF65-F5344CB8AC3E}">
-        <p14:creationId xmlns:p14="http://schemas.microsoft.com/office/powerpoint/2010/main" val="2731228479"/>
+        <p14:creationId xmlns:p14="http://schemas.microsoft.com/office/powerpoint/2010/main" val="2526197731"/>
       </p:ext>
     </p:extLst>
   </p:cSld>
@@ -5883,7 +6332,7 @@
           <p:cNvPr id="2" name="Title 1">
             <a:extLst>
               <a:ext uri="{FF2B5EF4-FFF2-40B4-BE49-F238E27FC236}">
-                <a16:creationId xmlns:a16="http://schemas.microsoft.com/office/drawing/2014/main" id="{EF7311C3-139F-0D43-856A-BA85FE249811}"/>
+                <a16:creationId xmlns:a16="http://schemas.microsoft.com/office/drawing/2014/main" id="{BBD3FC96-92F1-3549-9F60-EECAEF594515}"/>
               </a:ext>
             </a:extLst>
           </p:cNvPr>
@@ -5901,7 +6350,7 @@
           <a:p>
             <a:r>
               <a:rPr lang="en-US" dirty="0"/>
-              <a:t>Sequencing files</a:t>
+              <a:t>Reference files</a:t>
             </a:r>
           </a:p>
         </p:txBody>
@@ -5911,7 +6360,7 @@
           <p:cNvPr id="3" name="Content Placeholder 2">
             <a:extLst>
               <a:ext uri="{FF2B5EF4-FFF2-40B4-BE49-F238E27FC236}">
-                <a16:creationId xmlns:a16="http://schemas.microsoft.com/office/drawing/2014/main" id="{2F6736AD-A968-8647-9A6E-2DE8E9C818BC}"/>
+                <a16:creationId xmlns:a16="http://schemas.microsoft.com/office/drawing/2014/main" id="{B739F09D-A12E-2D49-B2F4-BDD3AD49497C}"/>
               </a:ext>
             </a:extLst>
           </p:cNvPr>
@@ -5924,240 +6373,20 @@
         </p:nvSpPr>
         <p:spPr/>
         <p:txBody>
-          <a:bodyPr>
-            <a:normAutofit/>
-          </a:bodyPr>
-          <a:lstStyle/>
-          <a:p>
-            <a:r>
-              <a:rPr lang="en-US" dirty="0"/>
-              <a:t>SRA-toolkit</a:t>
-            </a:r>
-          </a:p>
-          <a:p>
-            <a:pPr marL="457200" lvl="1" indent="0">
-              <a:buNone/>
-            </a:pPr>
-            <a:r>
-              <a:rPr lang="en-US" sz="1800" dirty="0"/>
-              <a:t>$ </a:t>
-            </a:r>
-            <a:r>
-              <a:rPr lang="en-US" sz="1800" dirty="0" err="1"/>
-              <a:t>wget</a:t>
-            </a:r>
-            <a:r>
-              <a:rPr lang="en-US" sz="1800" dirty="0"/>
-              <a:t> </a:t>
-            </a:r>
-            <a:r>
-              <a:rPr lang="en-US" sz="1800" dirty="0">
-                <a:hlinkClick r:id="rId3"/>
-              </a:rPr>
-              <a:t>http://ftp-trace.ncbi.nlm.nih.gov/sra/sdk/current/sratoolkit.current-centos_linux64.tar.gz</a:t>
-            </a:r>
-            <a:endParaRPr lang="en-US" sz="1800" dirty="0"/>
-          </a:p>
-          <a:p>
-            <a:pPr marL="457200" lvl="1" indent="0">
-              <a:buNone/>
-            </a:pPr>
-            <a:r>
-              <a:rPr lang="en-US" sz="1800" dirty="0"/>
-              <a:t>$ tar –</a:t>
-            </a:r>
-            <a:r>
-              <a:rPr lang="en-US" sz="1800" dirty="0" err="1"/>
-              <a:t>zxvf</a:t>
-            </a:r>
-            <a:r>
-              <a:rPr lang="en-US" sz="1800" dirty="0"/>
-              <a:t> </a:t>
-            </a:r>
-            <a:r>
-              <a:rPr lang="en-US" sz="1800" dirty="0">
-                <a:hlinkClick r:id="rId3"/>
-              </a:rPr>
-              <a:t>sratoolkit.current-centos_linux64.tar.gz</a:t>
-            </a:r>
-            <a:endParaRPr lang="en-US" sz="1800" dirty="0"/>
-          </a:p>
-          <a:p>
-            <a:pPr marL="457200" lvl="1" indent="0">
-              <a:buNone/>
-            </a:pPr>
-            <a:r>
-              <a:rPr lang="en-US" sz="1800" dirty="0"/>
-              <a:t>$ mv sratoolkit.2.10.5-centos_linux64 </a:t>
-            </a:r>
-            <a:r>
-              <a:rPr lang="en-US" sz="1800" dirty="0" err="1"/>
-              <a:t>sratoolkit</a:t>
-            </a:r>
-            <a:endParaRPr lang="en-US" sz="1800" dirty="0"/>
-          </a:p>
-          <a:p>
-            <a:pPr marL="457200" lvl="1" indent="0">
-              <a:buNone/>
-            </a:pPr>
-            <a:r>
-              <a:rPr lang="en-US" sz="1800" dirty="0"/>
-              <a:t>$ vim ~/.</a:t>
-            </a:r>
-            <a:r>
-              <a:rPr lang="en-US" sz="1800" dirty="0" err="1"/>
-              <a:t>bash_profile</a:t>
-            </a:r>
-            <a:r>
-              <a:rPr lang="en-US" sz="1800" dirty="0"/>
-              <a:t>			&lt;- add </a:t>
-            </a:r>
-            <a:r>
-              <a:rPr lang="en-US" sz="1800" dirty="0" err="1"/>
-              <a:t>sratoolkit</a:t>
-            </a:r>
-            <a:r>
-              <a:rPr lang="en-US" sz="1800" dirty="0"/>
-              <a:t> to PATH so you can use anywhere</a:t>
-            </a:r>
-          </a:p>
-          <a:p>
-            <a:pPr marL="457200" lvl="1" indent="0">
-              <a:buNone/>
-            </a:pPr>
-            <a:r>
-              <a:rPr lang="en-US" sz="1800" dirty="0"/>
-              <a:t>	export PATH="/</a:t>
-            </a:r>
-            <a:r>
-              <a:rPr lang="en-US" sz="1800" dirty="0" err="1"/>
-              <a:t>uufs</a:t>
-            </a:r>
-            <a:r>
-              <a:rPr lang="en-US" sz="1800" dirty="0"/>
-              <a:t>/</a:t>
-            </a:r>
-            <a:r>
-              <a:rPr lang="en-US" sz="1800" dirty="0" err="1"/>
-              <a:t>chpc.utah.edu</a:t>
-            </a:r>
-            <a:r>
-              <a:rPr lang="en-US" sz="1800" dirty="0"/>
-              <a:t>/common/home/</a:t>
-            </a:r>
-            <a:r>
-              <a:rPr lang="en-US" sz="1800" dirty="0" err="1"/>
-              <a:t>uNID</a:t>
-            </a:r>
-            <a:r>
-              <a:rPr lang="en-US" sz="1800" dirty="0"/>
-              <a:t>/</a:t>
-            </a:r>
-            <a:r>
-              <a:rPr lang="en-US" sz="1800" dirty="0" err="1"/>
-              <a:t>sratoolkit</a:t>
-            </a:r>
-            <a:r>
-              <a:rPr lang="en-US" sz="1800" dirty="0"/>
-              <a:t>/bin:$PATH”</a:t>
-            </a:r>
-          </a:p>
-          <a:p>
-            <a:pPr marL="457200" lvl="1" indent="0">
-              <a:buNone/>
-            </a:pPr>
-            <a:r>
-              <a:rPr lang="en-US" sz="1800" dirty="0"/>
-              <a:t>	save and close</a:t>
-            </a:r>
-          </a:p>
-          <a:p>
-            <a:pPr marL="457200" lvl="1" indent="0">
-              <a:buNone/>
-            </a:pPr>
-            <a:r>
-              <a:rPr lang="en-US" sz="1800" dirty="0"/>
-              <a:t>	exit and log into the supercomputer</a:t>
-            </a:r>
-          </a:p>
-          <a:p>
-            <a:pPr marL="0" indent="0">
-              <a:buNone/>
-            </a:pPr>
-            <a:endParaRPr lang="en-US" dirty="0"/>
-          </a:p>
-          <a:p>
-            <a:pPr marL="0" indent="0">
-              <a:buNone/>
-            </a:pPr>
-            <a:r>
-              <a:rPr lang="en-US" sz="1600" dirty="0"/>
-              <a:t>$ prefetch -v SRR1795410  			&lt;- pay attention to where its output</a:t>
-            </a:r>
-          </a:p>
-          <a:p>
-            <a:pPr marL="0" indent="0">
-              <a:buNone/>
-            </a:pPr>
-            <a:r>
-              <a:rPr lang="en-US" sz="1600" dirty="0"/>
-              <a:t>$ </a:t>
-            </a:r>
-            <a:r>
-              <a:rPr lang="en-US" sz="1600" dirty="0" err="1"/>
-              <a:t>fastq</a:t>
-            </a:r>
-            <a:r>
-              <a:rPr lang="en-US" sz="1600" dirty="0"/>
-              <a:t>-dump --</a:t>
-            </a:r>
-            <a:r>
-              <a:rPr lang="en-US" sz="1600" dirty="0" err="1"/>
-              <a:t>outdir</a:t>
-            </a:r>
-            <a:r>
-              <a:rPr lang="en-US" sz="1600" dirty="0"/>
-              <a:t> ~/ --split-files /</a:t>
-            </a:r>
-            <a:r>
-              <a:rPr lang="en-US" sz="1600" dirty="0" err="1"/>
-              <a:t>uufs</a:t>
-            </a:r>
-            <a:r>
-              <a:rPr lang="en-US" sz="1600" dirty="0"/>
-              <a:t>/</a:t>
-            </a:r>
-            <a:r>
-              <a:rPr lang="en-US" sz="1600" dirty="0" err="1"/>
-              <a:t>chpc.utah.edu</a:t>
-            </a:r>
-            <a:r>
-              <a:rPr lang="en-US" sz="1600" dirty="0"/>
-              <a:t>/common/home/</a:t>
-            </a:r>
-            <a:r>
-              <a:rPr lang="en-US" sz="1600" dirty="0" err="1"/>
-              <a:t>uNID</a:t>
-            </a:r>
-            <a:r>
-              <a:rPr lang="en-US" sz="1600" dirty="0"/>
-              <a:t>/</a:t>
-            </a:r>
-            <a:r>
-              <a:rPr lang="en-US" sz="1600" dirty="0" err="1"/>
-              <a:t>ncbi</a:t>
-            </a:r>
-            <a:r>
-              <a:rPr lang="en-US" sz="1600" dirty="0"/>
-              <a:t>/public/</a:t>
-            </a:r>
-            <a:r>
-              <a:rPr lang="en-US" sz="1600" dirty="0" err="1"/>
-              <a:t>sra</a:t>
-            </a:r>
-            <a:r>
-              <a:rPr lang="en-US" sz="1600" dirty="0"/>
-              <a:t>/SRR1795410.sra</a:t>
+          <a:bodyPr/>
+          <a:lstStyle/>
+          <a:p>
+            <a:r>
+              <a:rPr lang="en-US" dirty="0"/>
+              <a:t>GTF and chromosome FASTAs from </a:t>
+            </a:r>
+            <a:r>
+              <a:rPr lang="en-US" dirty="0" err="1"/>
+              <a:t>Ensembl</a:t>
+            </a:r>
+            <a:r>
+              <a:rPr lang="en-US" dirty="0"/>
+              <a:t> database</a:t>
             </a:r>
           </a:p>
         </p:txBody>
@@ -6165,7 +6394,7 @@
     </p:spTree>
     <p:extLst>
       <p:ext uri="{BB962C8B-B14F-4D97-AF65-F5344CB8AC3E}">
-        <p14:creationId xmlns:p14="http://schemas.microsoft.com/office/powerpoint/2010/main" val="163912271"/>
+        <p14:creationId xmlns:p14="http://schemas.microsoft.com/office/powerpoint/2010/main" val="2731228479"/>
       </p:ext>
     </p:extLst>
   </p:cSld>
